--- a/ppt 16-9/0693.献上你虔诚的.pptx
+++ b/ppt 16-9/0693.献上你虔诚的.pptx
@@ -129,7 +129,7 @@
           <p:cNvPr id="2" name="标题 1">
             <a:extLst>
               <a:ext uri="{FF2B5EF4-FFF2-40B4-BE49-F238E27FC236}">
-                <a16:creationId xmlns:a16="http://schemas.microsoft.com/office/drawing/2014/main" id="{4BBAA893-2107-D015-E96D-40F91EF7D152}"/>
+                <a16:creationId xmlns:a16="http://schemas.microsoft.com/office/drawing/2014/main" id="{78E70776-6A69-391C-98C0-14B279CDD79C}"/>
               </a:ext>
             </a:extLst>
           </p:cNvPr>
@@ -166,7 +166,7 @@
           <p:cNvPr id="3" name="副标题 2">
             <a:extLst>
               <a:ext uri="{FF2B5EF4-FFF2-40B4-BE49-F238E27FC236}">
-                <a16:creationId xmlns:a16="http://schemas.microsoft.com/office/drawing/2014/main" id="{56B2A0ED-D9B5-3FC1-6206-99CACDEFA0A2}"/>
+                <a16:creationId xmlns:a16="http://schemas.microsoft.com/office/drawing/2014/main" id="{F15AA2AD-E381-21E9-6E4E-A62EFD1FFC60}"/>
               </a:ext>
             </a:extLst>
           </p:cNvPr>
@@ -236,7 +236,7 @@
           <p:cNvPr id="4" name="日期占位符 3">
             <a:extLst>
               <a:ext uri="{FF2B5EF4-FFF2-40B4-BE49-F238E27FC236}">
-                <a16:creationId xmlns:a16="http://schemas.microsoft.com/office/drawing/2014/main" id="{6CFC371C-5280-FA1C-ABA3-64C61FAFB0F3}"/>
+                <a16:creationId xmlns:a16="http://schemas.microsoft.com/office/drawing/2014/main" id="{4B89FD59-BF04-E0A3-17FD-A82E05804BEC}"/>
               </a:ext>
             </a:extLst>
           </p:cNvPr>
@@ -252,7 +252,7 @@
           <a:bodyPr/>
           <a:lstStyle/>
           <a:p>
-            <a:fld id="{3097641A-E383-464E-B58E-9BC16499AFA3}" type="datetimeFigureOut">
+            <a:fld id="{FA0BB267-F230-42D8-B993-D6FDEB6CF0C7}" type="datetimeFigureOut">
               <a:rPr lang="zh-CN" altLang="en-US" smtClean="0"/>
               <a:t>2024/3/10</a:t>
             </a:fld>
@@ -265,7 +265,7 @@
           <p:cNvPr id="5" name="页脚占位符 4">
             <a:extLst>
               <a:ext uri="{FF2B5EF4-FFF2-40B4-BE49-F238E27FC236}">
-                <a16:creationId xmlns:a16="http://schemas.microsoft.com/office/drawing/2014/main" id="{AC8B5934-64C6-DCE2-DFA9-D73E78967F8F}"/>
+                <a16:creationId xmlns:a16="http://schemas.microsoft.com/office/drawing/2014/main" id="{ECEC326E-FDD6-FAE3-5A60-BA0A3A42DD93}"/>
               </a:ext>
             </a:extLst>
           </p:cNvPr>
@@ -290,7 +290,7 @@
           <p:cNvPr id="6" name="灯片编号占位符 5">
             <a:extLst>
               <a:ext uri="{FF2B5EF4-FFF2-40B4-BE49-F238E27FC236}">
-                <a16:creationId xmlns:a16="http://schemas.microsoft.com/office/drawing/2014/main" id="{F3500FB6-666E-6745-B07A-40310009E842}"/>
+                <a16:creationId xmlns:a16="http://schemas.microsoft.com/office/drawing/2014/main" id="{22004EEA-694A-FECA-6FAB-AEE4BA6432FB}"/>
               </a:ext>
             </a:extLst>
           </p:cNvPr>
@@ -306,7 +306,7 @@
           <a:bodyPr/>
           <a:lstStyle/>
           <a:p>
-            <a:fld id="{93621DE5-B1D9-4BFE-BCEC-8B1B2E0C79D9}" type="slidenum">
+            <a:fld id="{9E977464-FE5E-48D9-A215-BC94584492DC}" type="slidenum">
               <a:rPr lang="zh-CN" altLang="en-US" smtClean="0"/>
               <a:t>‹#›</a:t>
             </a:fld>
@@ -317,7 +317,7 @@
     </p:spTree>
     <p:extLst>
       <p:ext uri="{BB962C8B-B14F-4D97-AF65-F5344CB8AC3E}">
-        <p14:creationId xmlns:p14="http://schemas.microsoft.com/office/powerpoint/2010/main" val="1053179553"/>
+        <p14:creationId xmlns:p14="http://schemas.microsoft.com/office/powerpoint/2010/main" val="819283095"/>
       </p:ext>
     </p:extLst>
   </p:cSld>
@@ -349,7 +349,7 @@
           <p:cNvPr id="2" name="标题 1">
             <a:extLst>
               <a:ext uri="{FF2B5EF4-FFF2-40B4-BE49-F238E27FC236}">
-                <a16:creationId xmlns:a16="http://schemas.microsoft.com/office/drawing/2014/main" id="{705763E9-F7AE-90F2-2B7B-392FA639B861}"/>
+                <a16:creationId xmlns:a16="http://schemas.microsoft.com/office/drawing/2014/main" id="{A203D545-4FE3-E788-8923-EA934BC07D40}"/>
               </a:ext>
             </a:extLst>
           </p:cNvPr>
@@ -377,7 +377,7 @@
           <p:cNvPr id="3" name="竖排文字占位符 2">
             <a:extLst>
               <a:ext uri="{FF2B5EF4-FFF2-40B4-BE49-F238E27FC236}">
-                <a16:creationId xmlns:a16="http://schemas.microsoft.com/office/drawing/2014/main" id="{6F7B5ABC-F8E8-C909-F176-8C9E4CBFE975}"/>
+                <a16:creationId xmlns:a16="http://schemas.microsoft.com/office/drawing/2014/main" id="{A83F153B-8EB3-8B76-AC4D-089859F92E48}"/>
               </a:ext>
             </a:extLst>
           </p:cNvPr>
@@ -434,7 +434,7 @@
           <p:cNvPr id="4" name="日期占位符 3">
             <a:extLst>
               <a:ext uri="{FF2B5EF4-FFF2-40B4-BE49-F238E27FC236}">
-                <a16:creationId xmlns:a16="http://schemas.microsoft.com/office/drawing/2014/main" id="{EA083C8B-6DF4-C500-4F54-DF206F7BFFCD}"/>
+                <a16:creationId xmlns:a16="http://schemas.microsoft.com/office/drawing/2014/main" id="{9C0AE197-512E-4066-A303-9D5CB098A228}"/>
               </a:ext>
             </a:extLst>
           </p:cNvPr>
@@ -450,7 +450,7 @@
           <a:bodyPr/>
           <a:lstStyle/>
           <a:p>
-            <a:fld id="{3097641A-E383-464E-B58E-9BC16499AFA3}" type="datetimeFigureOut">
+            <a:fld id="{FA0BB267-F230-42D8-B993-D6FDEB6CF0C7}" type="datetimeFigureOut">
               <a:rPr lang="zh-CN" altLang="en-US" smtClean="0"/>
               <a:t>2024/3/10</a:t>
             </a:fld>
@@ -463,7 +463,7 @@
           <p:cNvPr id="5" name="页脚占位符 4">
             <a:extLst>
               <a:ext uri="{FF2B5EF4-FFF2-40B4-BE49-F238E27FC236}">
-                <a16:creationId xmlns:a16="http://schemas.microsoft.com/office/drawing/2014/main" id="{F16FFF94-49C4-138A-5ACE-778814B28921}"/>
+                <a16:creationId xmlns:a16="http://schemas.microsoft.com/office/drawing/2014/main" id="{FE10AF60-53DA-5FA5-738D-4FD11ABA375A}"/>
               </a:ext>
             </a:extLst>
           </p:cNvPr>
@@ -488,7 +488,7 @@
           <p:cNvPr id="6" name="灯片编号占位符 5">
             <a:extLst>
               <a:ext uri="{FF2B5EF4-FFF2-40B4-BE49-F238E27FC236}">
-                <a16:creationId xmlns:a16="http://schemas.microsoft.com/office/drawing/2014/main" id="{A8790BC1-F8ED-9F1F-3E5A-C5BF83628454}"/>
+                <a16:creationId xmlns:a16="http://schemas.microsoft.com/office/drawing/2014/main" id="{C84E9E9E-68FD-4424-4635-81D6FAE6F9B5}"/>
               </a:ext>
             </a:extLst>
           </p:cNvPr>
@@ -504,7 +504,7 @@
           <a:bodyPr/>
           <a:lstStyle/>
           <a:p>
-            <a:fld id="{93621DE5-B1D9-4BFE-BCEC-8B1B2E0C79D9}" type="slidenum">
+            <a:fld id="{9E977464-FE5E-48D9-A215-BC94584492DC}" type="slidenum">
               <a:rPr lang="zh-CN" altLang="en-US" smtClean="0"/>
               <a:t>‹#›</a:t>
             </a:fld>
@@ -515,7 +515,7 @@
     </p:spTree>
     <p:extLst>
       <p:ext uri="{BB962C8B-B14F-4D97-AF65-F5344CB8AC3E}">
-        <p14:creationId xmlns:p14="http://schemas.microsoft.com/office/powerpoint/2010/main" val="421505068"/>
+        <p14:creationId xmlns:p14="http://schemas.microsoft.com/office/powerpoint/2010/main" val="428549739"/>
       </p:ext>
     </p:extLst>
   </p:cSld>
@@ -547,7 +547,7 @@
           <p:cNvPr id="2" name="竖排标题 1">
             <a:extLst>
               <a:ext uri="{FF2B5EF4-FFF2-40B4-BE49-F238E27FC236}">
-                <a16:creationId xmlns:a16="http://schemas.microsoft.com/office/drawing/2014/main" id="{F3CAB7DF-9C9D-5743-15C9-0EB036984FAA}"/>
+                <a16:creationId xmlns:a16="http://schemas.microsoft.com/office/drawing/2014/main" id="{1106F778-1659-0965-6F95-2ACA5085B002}"/>
               </a:ext>
             </a:extLst>
           </p:cNvPr>
@@ -580,7 +580,7 @@
           <p:cNvPr id="3" name="竖排文字占位符 2">
             <a:extLst>
               <a:ext uri="{FF2B5EF4-FFF2-40B4-BE49-F238E27FC236}">
-                <a16:creationId xmlns:a16="http://schemas.microsoft.com/office/drawing/2014/main" id="{B2241315-E02E-352B-6883-CFAB46DF9DAB}"/>
+                <a16:creationId xmlns:a16="http://schemas.microsoft.com/office/drawing/2014/main" id="{859B668C-056A-AA5B-93DC-52B07C4AA7C2}"/>
               </a:ext>
             </a:extLst>
           </p:cNvPr>
@@ -642,7 +642,7 @@
           <p:cNvPr id="4" name="日期占位符 3">
             <a:extLst>
               <a:ext uri="{FF2B5EF4-FFF2-40B4-BE49-F238E27FC236}">
-                <a16:creationId xmlns:a16="http://schemas.microsoft.com/office/drawing/2014/main" id="{5C255A9E-8061-D747-0C68-69E7F9BEF595}"/>
+                <a16:creationId xmlns:a16="http://schemas.microsoft.com/office/drawing/2014/main" id="{28647819-609A-0BE4-1DCF-0CEECD51E935}"/>
               </a:ext>
             </a:extLst>
           </p:cNvPr>
@@ -658,7 +658,7 @@
           <a:bodyPr/>
           <a:lstStyle/>
           <a:p>
-            <a:fld id="{3097641A-E383-464E-B58E-9BC16499AFA3}" type="datetimeFigureOut">
+            <a:fld id="{FA0BB267-F230-42D8-B993-D6FDEB6CF0C7}" type="datetimeFigureOut">
               <a:rPr lang="zh-CN" altLang="en-US" smtClean="0"/>
               <a:t>2024/3/10</a:t>
             </a:fld>
@@ -671,7 +671,7 @@
           <p:cNvPr id="5" name="页脚占位符 4">
             <a:extLst>
               <a:ext uri="{FF2B5EF4-FFF2-40B4-BE49-F238E27FC236}">
-                <a16:creationId xmlns:a16="http://schemas.microsoft.com/office/drawing/2014/main" id="{6DAAA08B-E9F9-FF82-8E30-41E8195D6DFA}"/>
+                <a16:creationId xmlns:a16="http://schemas.microsoft.com/office/drawing/2014/main" id="{4B89A0BE-8844-79F1-30D4-32E220E8F253}"/>
               </a:ext>
             </a:extLst>
           </p:cNvPr>
@@ -696,7 +696,7 @@
           <p:cNvPr id="6" name="灯片编号占位符 5">
             <a:extLst>
               <a:ext uri="{FF2B5EF4-FFF2-40B4-BE49-F238E27FC236}">
-                <a16:creationId xmlns:a16="http://schemas.microsoft.com/office/drawing/2014/main" id="{1BD9A3FD-1183-7512-0161-0F5973D2044F}"/>
+                <a16:creationId xmlns:a16="http://schemas.microsoft.com/office/drawing/2014/main" id="{F265087D-FF3A-989D-6C6E-6879B8F77361}"/>
               </a:ext>
             </a:extLst>
           </p:cNvPr>
@@ -712,7 +712,7 @@
           <a:bodyPr/>
           <a:lstStyle/>
           <a:p>
-            <a:fld id="{93621DE5-B1D9-4BFE-BCEC-8B1B2E0C79D9}" type="slidenum">
+            <a:fld id="{9E977464-FE5E-48D9-A215-BC94584492DC}" type="slidenum">
               <a:rPr lang="zh-CN" altLang="en-US" smtClean="0"/>
               <a:t>‹#›</a:t>
             </a:fld>
@@ -723,7 +723,7 @@
     </p:spTree>
     <p:extLst>
       <p:ext uri="{BB962C8B-B14F-4D97-AF65-F5344CB8AC3E}">
-        <p14:creationId xmlns:p14="http://schemas.microsoft.com/office/powerpoint/2010/main" val="1288895397"/>
+        <p14:creationId xmlns:p14="http://schemas.microsoft.com/office/powerpoint/2010/main" val="4187187366"/>
       </p:ext>
     </p:extLst>
   </p:cSld>
@@ -755,7 +755,7 @@
           <p:cNvPr id="2" name="标题 1">
             <a:extLst>
               <a:ext uri="{FF2B5EF4-FFF2-40B4-BE49-F238E27FC236}">
-                <a16:creationId xmlns:a16="http://schemas.microsoft.com/office/drawing/2014/main" id="{8284247A-6877-55F6-3333-D2DB94DCC43E}"/>
+                <a16:creationId xmlns:a16="http://schemas.microsoft.com/office/drawing/2014/main" id="{FF66CF69-2021-786E-43F7-47282836CF38}"/>
               </a:ext>
             </a:extLst>
           </p:cNvPr>
@@ -783,7 +783,7 @@
           <p:cNvPr id="3" name="内容占位符 2">
             <a:extLst>
               <a:ext uri="{FF2B5EF4-FFF2-40B4-BE49-F238E27FC236}">
-                <a16:creationId xmlns:a16="http://schemas.microsoft.com/office/drawing/2014/main" id="{D8959879-1EA5-66F3-15F9-F7F340572BC7}"/>
+                <a16:creationId xmlns:a16="http://schemas.microsoft.com/office/drawing/2014/main" id="{8AFD5D19-C068-8E7B-617F-1BCCB2779DDC}"/>
               </a:ext>
             </a:extLst>
           </p:cNvPr>
@@ -840,7 +840,7 @@
           <p:cNvPr id="4" name="日期占位符 3">
             <a:extLst>
               <a:ext uri="{FF2B5EF4-FFF2-40B4-BE49-F238E27FC236}">
-                <a16:creationId xmlns:a16="http://schemas.microsoft.com/office/drawing/2014/main" id="{B27F1570-A099-F73D-4266-E47F8756D048}"/>
+                <a16:creationId xmlns:a16="http://schemas.microsoft.com/office/drawing/2014/main" id="{A54C1CF8-0B89-03E5-1E7D-3FE039CC81B6}"/>
               </a:ext>
             </a:extLst>
           </p:cNvPr>
@@ -856,7 +856,7 @@
           <a:bodyPr/>
           <a:lstStyle/>
           <a:p>
-            <a:fld id="{3097641A-E383-464E-B58E-9BC16499AFA3}" type="datetimeFigureOut">
+            <a:fld id="{FA0BB267-F230-42D8-B993-D6FDEB6CF0C7}" type="datetimeFigureOut">
               <a:rPr lang="zh-CN" altLang="en-US" smtClean="0"/>
               <a:t>2024/3/10</a:t>
             </a:fld>
@@ -869,7 +869,7 @@
           <p:cNvPr id="5" name="页脚占位符 4">
             <a:extLst>
               <a:ext uri="{FF2B5EF4-FFF2-40B4-BE49-F238E27FC236}">
-                <a16:creationId xmlns:a16="http://schemas.microsoft.com/office/drawing/2014/main" id="{926DF3A7-97F6-FE39-5F31-0D08DD22DA0D}"/>
+                <a16:creationId xmlns:a16="http://schemas.microsoft.com/office/drawing/2014/main" id="{29C8C8E8-3022-5F54-AE01-565947FE1836}"/>
               </a:ext>
             </a:extLst>
           </p:cNvPr>
@@ -894,7 +894,7 @@
           <p:cNvPr id="6" name="灯片编号占位符 5">
             <a:extLst>
               <a:ext uri="{FF2B5EF4-FFF2-40B4-BE49-F238E27FC236}">
-                <a16:creationId xmlns:a16="http://schemas.microsoft.com/office/drawing/2014/main" id="{F2CC069F-2967-B7FD-8504-848CA9237A0D}"/>
+                <a16:creationId xmlns:a16="http://schemas.microsoft.com/office/drawing/2014/main" id="{EE666B5F-6CE1-6FEF-A3BE-3C4B0554897B}"/>
               </a:ext>
             </a:extLst>
           </p:cNvPr>
@@ -910,7 +910,7 @@
           <a:bodyPr/>
           <a:lstStyle/>
           <a:p>
-            <a:fld id="{93621DE5-B1D9-4BFE-BCEC-8B1B2E0C79D9}" type="slidenum">
+            <a:fld id="{9E977464-FE5E-48D9-A215-BC94584492DC}" type="slidenum">
               <a:rPr lang="zh-CN" altLang="en-US" smtClean="0"/>
               <a:t>‹#›</a:t>
             </a:fld>
@@ -921,7 +921,7 @@
     </p:spTree>
     <p:extLst>
       <p:ext uri="{BB962C8B-B14F-4D97-AF65-F5344CB8AC3E}">
-        <p14:creationId xmlns:p14="http://schemas.microsoft.com/office/powerpoint/2010/main" val="4186754846"/>
+        <p14:creationId xmlns:p14="http://schemas.microsoft.com/office/powerpoint/2010/main" val="3712728671"/>
       </p:ext>
     </p:extLst>
   </p:cSld>
@@ -953,7 +953,7 @@
           <p:cNvPr id="2" name="标题 1">
             <a:extLst>
               <a:ext uri="{FF2B5EF4-FFF2-40B4-BE49-F238E27FC236}">
-                <a16:creationId xmlns:a16="http://schemas.microsoft.com/office/drawing/2014/main" id="{8C176C91-B5B3-0540-BEDA-EB1447D1B4FE}"/>
+                <a16:creationId xmlns:a16="http://schemas.microsoft.com/office/drawing/2014/main" id="{EC923F06-06A2-EE3A-A761-AC879FAB1C34}"/>
               </a:ext>
             </a:extLst>
           </p:cNvPr>
@@ -990,7 +990,7 @@
           <p:cNvPr id="3" name="文本占位符 2">
             <a:extLst>
               <a:ext uri="{FF2B5EF4-FFF2-40B4-BE49-F238E27FC236}">
-                <a16:creationId xmlns:a16="http://schemas.microsoft.com/office/drawing/2014/main" id="{B6CBFB3A-7C16-9F5E-EC39-E4825CD73913}"/>
+                <a16:creationId xmlns:a16="http://schemas.microsoft.com/office/drawing/2014/main" id="{9BCBD641-3679-6BBB-F8D2-B14127D3AE35}"/>
               </a:ext>
             </a:extLst>
           </p:cNvPr>
@@ -1115,7 +1115,7 @@
           <p:cNvPr id="4" name="日期占位符 3">
             <a:extLst>
               <a:ext uri="{FF2B5EF4-FFF2-40B4-BE49-F238E27FC236}">
-                <a16:creationId xmlns:a16="http://schemas.microsoft.com/office/drawing/2014/main" id="{7A5197B5-8750-EA50-7FF5-C46B772B12E9}"/>
+                <a16:creationId xmlns:a16="http://schemas.microsoft.com/office/drawing/2014/main" id="{2D6CB67D-69EA-0BEF-A414-ED6B1338F41F}"/>
               </a:ext>
             </a:extLst>
           </p:cNvPr>
@@ -1131,7 +1131,7 @@
           <a:bodyPr/>
           <a:lstStyle/>
           <a:p>
-            <a:fld id="{3097641A-E383-464E-B58E-9BC16499AFA3}" type="datetimeFigureOut">
+            <a:fld id="{FA0BB267-F230-42D8-B993-D6FDEB6CF0C7}" type="datetimeFigureOut">
               <a:rPr lang="zh-CN" altLang="en-US" smtClean="0"/>
               <a:t>2024/3/10</a:t>
             </a:fld>
@@ -1144,7 +1144,7 @@
           <p:cNvPr id="5" name="页脚占位符 4">
             <a:extLst>
               <a:ext uri="{FF2B5EF4-FFF2-40B4-BE49-F238E27FC236}">
-                <a16:creationId xmlns:a16="http://schemas.microsoft.com/office/drawing/2014/main" id="{8566B1EE-6FCD-00A8-AA17-58925DCB953C}"/>
+                <a16:creationId xmlns:a16="http://schemas.microsoft.com/office/drawing/2014/main" id="{A075CF71-8E95-1CA9-6EDF-EE534D1C7A6B}"/>
               </a:ext>
             </a:extLst>
           </p:cNvPr>
@@ -1169,7 +1169,7 @@
           <p:cNvPr id="6" name="灯片编号占位符 5">
             <a:extLst>
               <a:ext uri="{FF2B5EF4-FFF2-40B4-BE49-F238E27FC236}">
-                <a16:creationId xmlns:a16="http://schemas.microsoft.com/office/drawing/2014/main" id="{49E57E7C-1B92-3920-9B79-06B85D6F3935}"/>
+                <a16:creationId xmlns:a16="http://schemas.microsoft.com/office/drawing/2014/main" id="{EA29B8BE-15FB-CAA4-C486-D4E3D826EF4B}"/>
               </a:ext>
             </a:extLst>
           </p:cNvPr>
@@ -1185,7 +1185,7 @@
           <a:bodyPr/>
           <a:lstStyle/>
           <a:p>
-            <a:fld id="{93621DE5-B1D9-4BFE-BCEC-8B1B2E0C79D9}" type="slidenum">
+            <a:fld id="{9E977464-FE5E-48D9-A215-BC94584492DC}" type="slidenum">
               <a:rPr lang="zh-CN" altLang="en-US" smtClean="0"/>
               <a:t>‹#›</a:t>
             </a:fld>
@@ -1196,7 +1196,7 @@
     </p:spTree>
     <p:extLst>
       <p:ext uri="{BB962C8B-B14F-4D97-AF65-F5344CB8AC3E}">
-        <p14:creationId xmlns:p14="http://schemas.microsoft.com/office/powerpoint/2010/main" val="486628438"/>
+        <p14:creationId xmlns:p14="http://schemas.microsoft.com/office/powerpoint/2010/main" val="2458450362"/>
       </p:ext>
     </p:extLst>
   </p:cSld>
@@ -1228,7 +1228,7 @@
           <p:cNvPr id="2" name="标题 1">
             <a:extLst>
               <a:ext uri="{FF2B5EF4-FFF2-40B4-BE49-F238E27FC236}">
-                <a16:creationId xmlns:a16="http://schemas.microsoft.com/office/drawing/2014/main" id="{33D83CFE-B169-C4FF-5931-5CEF30BFC378}"/>
+                <a16:creationId xmlns:a16="http://schemas.microsoft.com/office/drawing/2014/main" id="{2AF152AF-7A7D-2B9E-31F9-3B0596B42FFF}"/>
               </a:ext>
             </a:extLst>
           </p:cNvPr>
@@ -1256,7 +1256,7 @@
           <p:cNvPr id="3" name="内容占位符 2">
             <a:extLst>
               <a:ext uri="{FF2B5EF4-FFF2-40B4-BE49-F238E27FC236}">
-                <a16:creationId xmlns:a16="http://schemas.microsoft.com/office/drawing/2014/main" id="{63702B42-81AD-827E-7704-82BE1C41307A}"/>
+                <a16:creationId xmlns:a16="http://schemas.microsoft.com/office/drawing/2014/main" id="{C8B1D5FD-899F-6A29-2BA8-ED8F63DF42C4}"/>
               </a:ext>
             </a:extLst>
           </p:cNvPr>
@@ -1318,7 +1318,7 @@
           <p:cNvPr id="4" name="内容占位符 3">
             <a:extLst>
               <a:ext uri="{FF2B5EF4-FFF2-40B4-BE49-F238E27FC236}">
-                <a16:creationId xmlns:a16="http://schemas.microsoft.com/office/drawing/2014/main" id="{3512CCBC-9E9F-5746-60E4-BEA5F0455138}"/>
+                <a16:creationId xmlns:a16="http://schemas.microsoft.com/office/drawing/2014/main" id="{C70008E8-0B0A-CF3A-538E-79A12A11F50A}"/>
               </a:ext>
             </a:extLst>
           </p:cNvPr>
@@ -1380,7 +1380,7 @@
           <p:cNvPr id="5" name="日期占位符 4">
             <a:extLst>
               <a:ext uri="{FF2B5EF4-FFF2-40B4-BE49-F238E27FC236}">
-                <a16:creationId xmlns:a16="http://schemas.microsoft.com/office/drawing/2014/main" id="{E441372B-9237-6C16-0549-06A942E3806F}"/>
+                <a16:creationId xmlns:a16="http://schemas.microsoft.com/office/drawing/2014/main" id="{2CEF4394-F539-B303-310C-1892CD92D41B}"/>
               </a:ext>
             </a:extLst>
           </p:cNvPr>
@@ -1396,7 +1396,7 @@
           <a:bodyPr/>
           <a:lstStyle/>
           <a:p>
-            <a:fld id="{3097641A-E383-464E-B58E-9BC16499AFA3}" type="datetimeFigureOut">
+            <a:fld id="{FA0BB267-F230-42D8-B993-D6FDEB6CF0C7}" type="datetimeFigureOut">
               <a:rPr lang="zh-CN" altLang="en-US" smtClean="0"/>
               <a:t>2024/3/10</a:t>
             </a:fld>
@@ -1409,7 +1409,7 @@
           <p:cNvPr id="6" name="页脚占位符 5">
             <a:extLst>
               <a:ext uri="{FF2B5EF4-FFF2-40B4-BE49-F238E27FC236}">
-                <a16:creationId xmlns:a16="http://schemas.microsoft.com/office/drawing/2014/main" id="{B8888DD8-F356-39F8-D12F-D8B41BB9F96F}"/>
+                <a16:creationId xmlns:a16="http://schemas.microsoft.com/office/drawing/2014/main" id="{67FA232C-84F1-B332-187A-638E97EFFE7F}"/>
               </a:ext>
             </a:extLst>
           </p:cNvPr>
@@ -1434,7 +1434,7 @@
           <p:cNvPr id="7" name="灯片编号占位符 6">
             <a:extLst>
               <a:ext uri="{FF2B5EF4-FFF2-40B4-BE49-F238E27FC236}">
-                <a16:creationId xmlns:a16="http://schemas.microsoft.com/office/drawing/2014/main" id="{C5FDE276-93A2-39CF-A6DD-D7E40AFE1F56}"/>
+                <a16:creationId xmlns:a16="http://schemas.microsoft.com/office/drawing/2014/main" id="{D5CE0A77-BA13-62C7-E753-8588D08854A1}"/>
               </a:ext>
             </a:extLst>
           </p:cNvPr>
@@ -1450,7 +1450,7 @@
           <a:bodyPr/>
           <a:lstStyle/>
           <a:p>
-            <a:fld id="{93621DE5-B1D9-4BFE-BCEC-8B1B2E0C79D9}" type="slidenum">
+            <a:fld id="{9E977464-FE5E-48D9-A215-BC94584492DC}" type="slidenum">
               <a:rPr lang="zh-CN" altLang="en-US" smtClean="0"/>
               <a:t>‹#›</a:t>
             </a:fld>
@@ -1461,7 +1461,7 @@
     </p:spTree>
     <p:extLst>
       <p:ext uri="{BB962C8B-B14F-4D97-AF65-F5344CB8AC3E}">
-        <p14:creationId xmlns:p14="http://schemas.microsoft.com/office/powerpoint/2010/main" val="611313201"/>
+        <p14:creationId xmlns:p14="http://schemas.microsoft.com/office/powerpoint/2010/main" val="172975447"/>
       </p:ext>
     </p:extLst>
   </p:cSld>
@@ -1493,7 +1493,7 @@
           <p:cNvPr id="2" name="标题 1">
             <a:extLst>
               <a:ext uri="{FF2B5EF4-FFF2-40B4-BE49-F238E27FC236}">
-                <a16:creationId xmlns:a16="http://schemas.microsoft.com/office/drawing/2014/main" id="{F09128F8-256C-ADC9-2039-45C6974B543E}"/>
+                <a16:creationId xmlns:a16="http://schemas.microsoft.com/office/drawing/2014/main" id="{2D2DF885-3D71-4356-A781-879C11CC262B}"/>
               </a:ext>
             </a:extLst>
           </p:cNvPr>
@@ -1526,7 +1526,7 @@
           <p:cNvPr id="3" name="文本占位符 2">
             <a:extLst>
               <a:ext uri="{FF2B5EF4-FFF2-40B4-BE49-F238E27FC236}">
-                <a16:creationId xmlns:a16="http://schemas.microsoft.com/office/drawing/2014/main" id="{BACA7A9B-709F-D586-80AF-E879721C4DC9}"/>
+                <a16:creationId xmlns:a16="http://schemas.microsoft.com/office/drawing/2014/main" id="{60C9345A-D891-381B-2D89-EC1839420BC0}"/>
               </a:ext>
             </a:extLst>
           </p:cNvPr>
@@ -1597,7 +1597,7 @@
           <p:cNvPr id="4" name="内容占位符 3">
             <a:extLst>
               <a:ext uri="{FF2B5EF4-FFF2-40B4-BE49-F238E27FC236}">
-                <a16:creationId xmlns:a16="http://schemas.microsoft.com/office/drawing/2014/main" id="{36CE335A-D5A3-226C-3C49-37C499F20B8B}"/>
+                <a16:creationId xmlns:a16="http://schemas.microsoft.com/office/drawing/2014/main" id="{C55CA887-2347-DADE-67EE-0324917E058F}"/>
               </a:ext>
             </a:extLst>
           </p:cNvPr>
@@ -1659,7 +1659,7 @@
           <p:cNvPr id="5" name="文本占位符 4">
             <a:extLst>
               <a:ext uri="{FF2B5EF4-FFF2-40B4-BE49-F238E27FC236}">
-                <a16:creationId xmlns:a16="http://schemas.microsoft.com/office/drawing/2014/main" id="{FAF8B79F-54C8-08F5-DD0C-310285D5C100}"/>
+                <a16:creationId xmlns:a16="http://schemas.microsoft.com/office/drawing/2014/main" id="{79F18FD9-198F-BFE9-B5FB-CB2A09F972C8}"/>
               </a:ext>
             </a:extLst>
           </p:cNvPr>
@@ -1730,7 +1730,7 @@
           <p:cNvPr id="6" name="内容占位符 5">
             <a:extLst>
               <a:ext uri="{FF2B5EF4-FFF2-40B4-BE49-F238E27FC236}">
-                <a16:creationId xmlns:a16="http://schemas.microsoft.com/office/drawing/2014/main" id="{2C1D268C-C1E9-F729-9273-C6DC78E0FAF3}"/>
+                <a16:creationId xmlns:a16="http://schemas.microsoft.com/office/drawing/2014/main" id="{EB4B0C71-81BB-30FA-566B-2F1A4D899EB8}"/>
               </a:ext>
             </a:extLst>
           </p:cNvPr>
@@ -1792,7 +1792,7 @@
           <p:cNvPr id="7" name="日期占位符 6">
             <a:extLst>
               <a:ext uri="{FF2B5EF4-FFF2-40B4-BE49-F238E27FC236}">
-                <a16:creationId xmlns:a16="http://schemas.microsoft.com/office/drawing/2014/main" id="{DAD9FF0C-474C-E9D7-35DF-9BCC067A2C63}"/>
+                <a16:creationId xmlns:a16="http://schemas.microsoft.com/office/drawing/2014/main" id="{849F2953-710F-F314-6A12-8B0E94A188D0}"/>
               </a:ext>
             </a:extLst>
           </p:cNvPr>
@@ -1808,7 +1808,7 @@
           <a:bodyPr/>
           <a:lstStyle/>
           <a:p>
-            <a:fld id="{3097641A-E383-464E-B58E-9BC16499AFA3}" type="datetimeFigureOut">
+            <a:fld id="{FA0BB267-F230-42D8-B993-D6FDEB6CF0C7}" type="datetimeFigureOut">
               <a:rPr lang="zh-CN" altLang="en-US" smtClean="0"/>
               <a:t>2024/3/10</a:t>
             </a:fld>
@@ -1821,7 +1821,7 @@
           <p:cNvPr id="8" name="页脚占位符 7">
             <a:extLst>
               <a:ext uri="{FF2B5EF4-FFF2-40B4-BE49-F238E27FC236}">
-                <a16:creationId xmlns:a16="http://schemas.microsoft.com/office/drawing/2014/main" id="{EE5812C7-030B-5799-6D1B-B15F3064B74A}"/>
+                <a16:creationId xmlns:a16="http://schemas.microsoft.com/office/drawing/2014/main" id="{1C842EDC-9C48-BE4C-F05D-3FA72CA6830D}"/>
               </a:ext>
             </a:extLst>
           </p:cNvPr>
@@ -1846,7 +1846,7 @@
           <p:cNvPr id="9" name="灯片编号占位符 8">
             <a:extLst>
               <a:ext uri="{FF2B5EF4-FFF2-40B4-BE49-F238E27FC236}">
-                <a16:creationId xmlns:a16="http://schemas.microsoft.com/office/drawing/2014/main" id="{767FCFEA-A0BB-3D46-9ECD-F13E5702F79C}"/>
+                <a16:creationId xmlns:a16="http://schemas.microsoft.com/office/drawing/2014/main" id="{3C3556C3-863B-4566-71C7-C2E64541E26E}"/>
               </a:ext>
             </a:extLst>
           </p:cNvPr>
@@ -1862,7 +1862,7 @@
           <a:bodyPr/>
           <a:lstStyle/>
           <a:p>
-            <a:fld id="{93621DE5-B1D9-4BFE-BCEC-8B1B2E0C79D9}" type="slidenum">
+            <a:fld id="{9E977464-FE5E-48D9-A215-BC94584492DC}" type="slidenum">
               <a:rPr lang="zh-CN" altLang="en-US" smtClean="0"/>
               <a:t>‹#›</a:t>
             </a:fld>
@@ -1873,7 +1873,7 @@
     </p:spTree>
     <p:extLst>
       <p:ext uri="{BB962C8B-B14F-4D97-AF65-F5344CB8AC3E}">
-        <p14:creationId xmlns:p14="http://schemas.microsoft.com/office/powerpoint/2010/main" val="207824282"/>
+        <p14:creationId xmlns:p14="http://schemas.microsoft.com/office/powerpoint/2010/main" val="989647897"/>
       </p:ext>
     </p:extLst>
   </p:cSld>
@@ -1905,7 +1905,7 @@
           <p:cNvPr id="2" name="标题 1">
             <a:extLst>
               <a:ext uri="{FF2B5EF4-FFF2-40B4-BE49-F238E27FC236}">
-                <a16:creationId xmlns:a16="http://schemas.microsoft.com/office/drawing/2014/main" id="{99183DF4-BA89-C1EB-8611-BBCFF3DE0571}"/>
+                <a16:creationId xmlns:a16="http://schemas.microsoft.com/office/drawing/2014/main" id="{21CE4EA4-8CCC-7ECF-5508-3816C90F628A}"/>
               </a:ext>
             </a:extLst>
           </p:cNvPr>
@@ -1933,7 +1933,7 @@
           <p:cNvPr id="3" name="日期占位符 2">
             <a:extLst>
               <a:ext uri="{FF2B5EF4-FFF2-40B4-BE49-F238E27FC236}">
-                <a16:creationId xmlns:a16="http://schemas.microsoft.com/office/drawing/2014/main" id="{DB26DED5-5DB7-97BE-78F8-43F0FA8C263A}"/>
+                <a16:creationId xmlns:a16="http://schemas.microsoft.com/office/drawing/2014/main" id="{3692497C-B117-2AEB-06A7-9A6C0A76E77C}"/>
               </a:ext>
             </a:extLst>
           </p:cNvPr>
@@ -1949,7 +1949,7 @@
           <a:bodyPr/>
           <a:lstStyle/>
           <a:p>
-            <a:fld id="{3097641A-E383-464E-B58E-9BC16499AFA3}" type="datetimeFigureOut">
+            <a:fld id="{FA0BB267-F230-42D8-B993-D6FDEB6CF0C7}" type="datetimeFigureOut">
               <a:rPr lang="zh-CN" altLang="en-US" smtClean="0"/>
               <a:t>2024/3/10</a:t>
             </a:fld>
@@ -1962,7 +1962,7 @@
           <p:cNvPr id="4" name="页脚占位符 3">
             <a:extLst>
               <a:ext uri="{FF2B5EF4-FFF2-40B4-BE49-F238E27FC236}">
-                <a16:creationId xmlns:a16="http://schemas.microsoft.com/office/drawing/2014/main" id="{6A38FEB4-8114-6754-11C2-81A8C71F2E73}"/>
+                <a16:creationId xmlns:a16="http://schemas.microsoft.com/office/drawing/2014/main" id="{93A1B314-BC63-280C-A950-7497DD894B64}"/>
               </a:ext>
             </a:extLst>
           </p:cNvPr>
@@ -1987,7 +1987,7 @@
           <p:cNvPr id="5" name="灯片编号占位符 4">
             <a:extLst>
               <a:ext uri="{FF2B5EF4-FFF2-40B4-BE49-F238E27FC236}">
-                <a16:creationId xmlns:a16="http://schemas.microsoft.com/office/drawing/2014/main" id="{340F368A-6B44-A9CA-6048-EBAA775D092B}"/>
+                <a16:creationId xmlns:a16="http://schemas.microsoft.com/office/drawing/2014/main" id="{D91FAEDB-6FE5-0518-D883-20657DA60CD0}"/>
               </a:ext>
             </a:extLst>
           </p:cNvPr>
@@ -2003,7 +2003,7 @@
           <a:bodyPr/>
           <a:lstStyle/>
           <a:p>
-            <a:fld id="{93621DE5-B1D9-4BFE-BCEC-8B1B2E0C79D9}" type="slidenum">
+            <a:fld id="{9E977464-FE5E-48D9-A215-BC94584492DC}" type="slidenum">
               <a:rPr lang="zh-CN" altLang="en-US" smtClean="0"/>
               <a:t>‹#›</a:t>
             </a:fld>
@@ -2014,7 +2014,7 @@
     </p:spTree>
     <p:extLst>
       <p:ext uri="{BB962C8B-B14F-4D97-AF65-F5344CB8AC3E}">
-        <p14:creationId xmlns:p14="http://schemas.microsoft.com/office/powerpoint/2010/main" val="3487152905"/>
+        <p14:creationId xmlns:p14="http://schemas.microsoft.com/office/powerpoint/2010/main" val="745638894"/>
       </p:ext>
     </p:extLst>
   </p:cSld>
@@ -2046,7 +2046,7 @@
           <p:cNvPr id="2" name="日期占位符 1">
             <a:extLst>
               <a:ext uri="{FF2B5EF4-FFF2-40B4-BE49-F238E27FC236}">
-                <a16:creationId xmlns:a16="http://schemas.microsoft.com/office/drawing/2014/main" id="{77815E0A-A67D-52E0-D9D5-977D008D46B4}"/>
+                <a16:creationId xmlns:a16="http://schemas.microsoft.com/office/drawing/2014/main" id="{AB6A0F3D-E934-E2C6-5781-E85B418E1FE3}"/>
               </a:ext>
             </a:extLst>
           </p:cNvPr>
@@ -2062,7 +2062,7 @@
           <a:bodyPr/>
           <a:lstStyle/>
           <a:p>
-            <a:fld id="{3097641A-E383-464E-B58E-9BC16499AFA3}" type="datetimeFigureOut">
+            <a:fld id="{FA0BB267-F230-42D8-B993-D6FDEB6CF0C7}" type="datetimeFigureOut">
               <a:rPr lang="zh-CN" altLang="en-US" smtClean="0"/>
               <a:t>2024/3/10</a:t>
             </a:fld>
@@ -2075,7 +2075,7 @@
           <p:cNvPr id="3" name="页脚占位符 2">
             <a:extLst>
               <a:ext uri="{FF2B5EF4-FFF2-40B4-BE49-F238E27FC236}">
-                <a16:creationId xmlns:a16="http://schemas.microsoft.com/office/drawing/2014/main" id="{AD6C353E-0799-7521-E602-C895C8B9CFA8}"/>
+                <a16:creationId xmlns:a16="http://schemas.microsoft.com/office/drawing/2014/main" id="{8609A780-18D5-7B00-3F62-A8BD6D8F8495}"/>
               </a:ext>
             </a:extLst>
           </p:cNvPr>
@@ -2100,7 +2100,7 @@
           <p:cNvPr id="4" name="灯片编号占位符 3">
             <a:extLst>
               <a:ext uri="{FF2B5EF4-FFF2-40B4-BE49-F238E27FC236}">
-                <a16:creationId xmlns:a16="http://schemas.microsoft.com/office/drawing/2014/main" id="{86B88D24-6FA2-656C-DAC6-A14BCDD4B147}"/>
+                <a16:creationId xmlns:a16="http://schemas.microsoft.com/office/drawing/2014/main" id="{05ABFF32-131F-A8F8-F584-3FC6165533E5}"/>
               </a:ext>
             </a:extLst>
           </p:cNvPr>
@@ -2116,7 +2116,7 @@
           <a:bodyPr/>
           <a:lstStyle/>
           <a:p>
-            <a:fld id="{93621DE5-B1D9-4BFE-BCEC-8B1B2E0C79D9}" type="slidenum">
+            <a:fld id="{9E977464-FE5E-48D9-A215-BC94584492DC}" type="slidenum">
               <a:rPr lang="zh-CN" altLang="en-US" smtClean="0"/>
               <a:t>‹#›</a:t>
             </a:fld>
@@ -2127,7 +2127,7 @@
     </p:spTree>
     <p:extLst>
       <p:ext uri="{BB962C8B-B14F-4D97-AF65-F5344CB8AC3E}">
-        <p14:creationId xmlns:p14="http://schemas.microsoft.com/office/powerpoint/2010/main" val="1168164036"/>
+        <p14:creationId xmlns:p14="http://schemas.microsoft.com/office/powerpoint/2010/main" val="3720247971"/>
       </p:ext>
     </p:extLst>
   </p:cSld>
@@ -2159,7 +2159,7 @@
           <p:cNvPr id="2" name="标题 1">
             <a:extLst>
               <a:ext uri="{FF2B5EF4-FFF2-40B4-BE49-F238E27FC236}">
-                <a16:creationId xmlns:a16="http://schemas.microsoft.com/office/drawing/2014/main" id="{8089FD5E-94CC-0A25-BE8F-6EEE87FC095F}"/>
+                <a16:creationId xmlns:a16="http://schemas.microsoft.com/office/drawing/2014/main" id="{78957AA8-08BA-E5FF-8C04-C1895A8E1AA9}"/>
               </a:ext>
             </a:extLst>
           </p:cNvPr>
@@ -2196,7 +2196,7 @@
           <p:cNvPr id="3" name="内容占位符 2">
             <a:extLst>
               <a:ext uri="{FF2B5EF4-FFF2-40B4-BE49-F238E27FC236}">
-                <a16:creationId xmlns:a16="http://schemas.microsoft.com/office/drawing/2014/main" id="{9F832E62-FFF5-C21C-3163-CEE1365B0F86}"/>
+                <a16:creationId xmlns:a16="http://schemas.microsoft.com/office/drawing/2014/main" id="{83762171-9EF1-F8EF-D0BF-3B4E58272EB9}"/>
               </a:ext>
             </a:extLst>
           </p:cNvPr>
@@ -2286,7 +2286,7 @@
           <p:cNvPr id="4" name="文本占位符 3">
             <a:extLst>
               <a:ext uri="{FF2B5EF4-FFF2-40B4-BE49-F238E27FC236}">
-                <a16:creationId xmlns:a16="http://schemas.microsoft.com/office/drawing/2014/main" id="{DE37A0FC-5A3F-F1A6-6E52-2FE71EFFFC33}"/>
+                <a16:creationId xmlns:a16="http://schemas.microsoft.com/office/drawing/2014/main" id="{444D922D-5E66-5600-7190-B4E91E45A014}"/>
               </a:ext>
             </a:extLst>
           </p:cNvPr>
@@ -2357,7 +2357,7 @@
           <p:cNvPr id="5" name="日期占位符 4">
             <a:extLst>
               <a:ext uri="{FF2B5EF4-FFF2-40B4-BE49-F238E27FC236}">
-                <a16:creationId xmlns:a16="http://schemas.microsoft.com/office/drawing/2014/main" id="{A4B49C49-21B8-9AAC-8E74-8E5C5803F1AC}"/>
+                <a16:creationId xmlns:a16="http://schemas.microsoft.com/office/drawing/2014/main" id="{E4A58828-FBC2-194B-559A-DD67237FFC28}"/>
               </a:ext>
             </a:extLst>
           </p:cNvPr>
@@ -2373,7 +2373,7 @@
           <a:bodyPr/>
           <a:lstStyle/>
           <a:p>
-            <a:fld id="{3097641A-E383-464E-B58E-9BC16499AFA3}" type="datetimeFigureOut">
+            <a:fld id="{FA0BB267-F230-42D8-B993-D6FDEB6CF0C7}" type="datetimeFigureOut">
               <a:rPr lang="zh-CN" altLang="en-US" smtClean="0"/>
               <a:t>2024/3/10</a:t>
             </a:fld>
@@ -2386,7 +2386,7 @@
           <p:cNvPr id="6" name="页脚占位符 5">
             <a:extLst>
               <a:ext uri="{FF2B5EF4-FFF2-40B4-BE49-F238E27FC236}">
-                <a16:creationId xmlns:a16="http://schemas.microsoft.com/office/drawing/2014/main" id="{741FCC0F-0EE5-DFAD-CC52-6526A5E1D8A5}"/>
+                <a16:creationId xmlns:a16="http://schemas.microsoft.com/office/drawing/2014/main" id="{7BFC5327-69DE-B87B-4D9D-1EF65DCD0B3E}"/>
               </a:ext>
             </a:extLst>
           </p:cNvPr>
@@ -2411,7 +2411,7 @@
           <p:cNvPr id="7" name="灯片编号占位符 6">
             <a:extLst>
               <a:ext uri="{FF2B5EF4-FFF2-40B4-BE49-F238E27FC236}">
-                <a16:creationId xmlns:a16="http://schemas.microsoft.com/office/drawing/2014/main" id="{C99C87D3-CCF9-4C8D-8369-7D41EB1A7899}"/>
+                <a16:creationId xmlns:a16="http://schemas.microsoft.com/office/drawing/2014/main" id="{87DC060B-BD5A-C84F-326B-6E2AC817C535}"/>
               </a:ext>
             </a:extLst>
           </p:cNvPr>
@@ -2427,7 +2427,7 @@
           <a:bodyPr/>
           <a:lstStyle/>
           <a:p>
-            <a:fld id="{93621DE5-B1D9-4BFE-BCEC-8B1B2E0C79D9}" type="slidenum">
+            <a:fld id="{9E977464-FE5E-48D9-A215-BC94584492DC}" type="slidenum">
               <a:rPr lang="zh-CN" altLang="en-US" smtClean="0"/>
               <a:t>‹#›</a:t>
             </a:fld>
@@ -2438,7 +2438,7 @@
     </p:spTree>
     <p:extLst>
       <p:ext uri="{BB962C8B-B14F-4D97-AF65-F5344CB8AC3E}">
-        <p14:creationId xmlns:p14="http://schemas.microsoft.com/office/powerpoint/2010/main" val="429149619"/>
+        <p14:creationId xmlns:p14="http://schemas.microsoft.com/office/powerpoint/2010/main" val="2052335939"/>
       </p:ext>
     </p:extLst>
   </p:cSld>
@@ -2470,7 +2470,7 @@
           <p:cNvPr id="2" name="标题 1">
             <a:extLst>
               <a:ext uri="{FF2B5EF4-FFF2-40B4-BE49-F238E27FC236}">
-                <a16:creationId xmlns:a16="http://schemas.microsoft.com/office/drawing/2014/main" id="{1F30A92E-B60D-4F62-026A-FB747B6D3E2F}"/>
+                <a16:creationId xmlns:a16="http://schemas.microsoft.com/office/drawing/2014/main" id="{D1A3E883-B449-51AC-2346-A37C22B86A3E}"/>
               </a:ext>
             </a:extLst>
           </p:cNvPr>
@@ -2507,7 +2507,7 @@
           <p:cNvPr id="3" name="图片占位符 2">
             <a:extLst>
               <a:ext uri="{FF2B5EF4-FFF2-40B4-BE49-F238E27FC236}">
-                <a16:creationId xmlns:a16="http://schemas.microsoft.com/office/drawing/2014/main" id="{39B3D957-64E5-3DF9-E597-616B10875AE8}"/>
+                <a16:creationId xmlns:a16="http://schemas.microsoft.com/office/drawing/2014/main" id="{C6E74EF4-BE95-472A-2799-425AA0BE1D5F}"/>
               </a:ext>
             </a:extLst>
           </p:cNvPr>
@@ -2574,7 +2574,7 @@
           <p:cNvPr id="4" name="文本占位符 3">
             <a:extLst>
               <a:ext uri="{FF2B5EF4-FFF2-40B4-BE49-F238E27FC236}">
-                <a16:creationId xmlns:a16="http://schemas.microsoft.com/office/drawing/2014/main" id="{FD78FA98-70FF-6D5F-C382-BDE0B9CCE7FE}"/>
+                <a16:creationId xmlns:a16="http://schemas.microsoft.com/office/drawing/2014/main" id="{BF234D1A-7C71-44D9-F892-06072854BC61}"/>
               </a:ext>
             </a:extLst>
           </p:cNvPr>
@@ -2645,7 +2645,7 @@
           <p:cNvPr id="5" name="日期占位符 4">
             <a:extLst>
               <a:ext uri="{FF2B5EF4-FFF2-40B4-BE49-F238E27FC236}">
-                <a16:creationId xmlns:a16="http://schemas.microsoft.com/office/drawing/2014/main" id="{652FF761-A41E-6805-3012-29BB8DC5DF2A}"/>
+                <a16:creationId xmlns:a16="http://schemas.microsoft.com/office/drawing/2014/main" id="{FE2E2C01-608A-62AB-1FF5-B7FE93CDEC3F}"/>
               </a:ext>
             </a:extLst>
           </p:cNvPr>
@@ -2661,7 +2661,7 @@
           <a:bodyPr/>
           <a:lstStyle/>
           <a:p>
-            <a:fld id="{3097641A-E383-464E-B58E-9BC16499AFA3}" type="datetimeFigureOut">
+            <a:fld id="{FA0BB267-F230-42D8-B993-D6FDEB6CF0C7}" type="datetimeFigureOut">
               <a:rPr lang="zh-CN" altLang="en-US" smtClean="0"/>
               <a:t>2024/3/10</a:t>
             </a:fld>
@@ -2674,7 +2674,7 @@
           <p:cNvPr id="6" name="页脚占位符 5">
             <a:extLst>
               <a:ext uri="{FF2B5EF4-FFF2-40B4-BE49-F238E27FC236}">
-                <a16:creationId xmlns:a16="http://schemas.microsoft.com/office/drawing/2014/main" id="{B25DD51A-7A2A-3D23-6871-A335FD002741}"/>
+                <a16:creationId xmlns:a16="http://schemas.microsoft.com/office/drawing/2014/main" id="{782D5D56-15ED-1F6C-2A31-BB528919B50F}"/>
               </a:ext>
             </a:extLst>
           </p:cNvPr>
@@ -2699,7 +2699,7 @@
           <p:cNvPr id="7" name="灯片编号占位符 6">
             <a:extLst>
               <a:ext uri="{FF2B5EF4-FFF2-40B4-BE49-F238E27FC236}">
-                <a16:creationId xmlns:a16="http://schemas.microsoft.com/office/drawing/2014/main" id="{EA45ABB4-9D6C-6C07-C476-985B33F823F4}"/>
+                <a16:creationId xmlns:a16="http://schemas.microsoft.com/office/drawing/2014/main" id="{F7E8BA95-FC25-08E5-D223-84712A6DC0CD}"/>
               </a:ext>
             </a:extLst>
           </p:cNvPr>
@@ -2715,7 +2715,7 @@
           <a:bodyPr/>
           <a:lstStyle/>
           <a:p>
-            <a:fld id="{93621DE5-B1D9-4BFE-BCEC-8B1B2E0C79D9}" type="slidenum">
+            <a:fld id="{9E977464-FE5E-48D9-A215-BC94584492DC}" type="slidenum">
               <a:rPr lang="zh-CN" altLang="en-US" smtClean="0"/>
               <a:t>‹#›</a:t>
             </a:fld>
@@ -2726,7 +2726,7 @@
     </p:spTree>
     <p:extLst>
       <p:ext uri="{BB962C8B-B14F-4D97-AF65-F5344CB8AC3E}">
-        <p14:creationId xmlns:p14="http://schemas.microsoft.com/office/powerpoint/2010/main" val="185442351"/>
+        <p14:creationId xmlns:p14="http://schemas.microsoft.com/office/powerpoint/2010/main" val="361420692"/>
       </p:ext>
     </p:extLst>
   </p:cSld>
@@ -2763,7 +2763,7 @@
           <p:cNvPr id="2" name="标题占位符 1">
             <a:extLst>
               <a:ext uri="{FF2B5EF4-FFF2-40B4-BE49-F238E27FC236}">
-                <a16:creationId xmlns:a16="http://schemas.microsoft.com/office/drawing/2014/main" id="{79B58231-DDE3-E0B9-28ED-2F7F6B811648}"/>
+                <a16:creationId xmlns:a16="http://schemas.microsoft.com/office/drawing/2014/main" id="{D7335FC8-10EA-35FB-46E9-2F9D133E2803}"/>
               </a:ext>
             </a:extLst>
           </p:cNvPr>
@@ -2801,7 +2801,7 @@
           <p:cNvPr id="3" name="文本占位符 2">
             <a:extLst>
               <a:ext uri="{FF2B5EF4-FFF2-40B4-BE49-F238E27FC236}">
-                <a16:creationId xmlns:a16="http://schemas.microsoft.com/office/drawing/2014/main" id="{F501DEB7-DE48-B808-6865-16E43A71B01D}"/>
+                <a16:creationId xmlns:a16="http://schemas.microsoft.com/office/drawing/2014/main" id="{D4CBFA26-C142-5D0C-B8E0-227F460939F8}"/>
               </a:ext>
             </a:extLst>
           </p:cNvPr>
@@ -2868,7 +2868,7 @@
           <p:cNvPr id="4" name="日期占位符 3">
             <a:extLst>
               <a:ext uri="{FF2B5EF4-FFF2-40B4-BE49-F238E27FC236}">
-                <a16:creationId xmlns:a16="http://schemas.microsoft.com/office/drawing/2014/main" id="{761D4D21-1D71-885F-2E6A-3A230AF3729B}"/>
+                <a16:creationId xmlns:a16="http://schemas.microsoft.com/office/drawing/2014/main" id="{488024D9-F0E2-7D6C-AF42-1C9A335DEFC6}"/>
               </a:ext>
             </a:extLst>
           </p:cNvPr>
@@ -2902,7 +2902,7 @@
             </a:lvl1pPr>
           </a:lstStyle>
           <a:p>
-            <a:fld id="{3097641A-E383-464E-B58E-9BC16499AFA3}" type="datetimeFigureOut">
+            <a:fld id="{FA0BB267-F230-42D8-B993-D6FDEB6CF0C7}" type="datetimeFigureOut">
               <a:rPr lang="zh-CN" altLang="en-US" smtClean="0"/>
               <a:t>2024/3/10</a:t>
             </a:fld>
@@ -2915,7 +2915,7 @@
           <p:cNvPr id="5" name="页脚占位符 4">
             <a:extLst>
               <a:ext uri="{FF2B5EF4-FFF2-40B4-BE49-F238E27FC236}">
-                <a16:creationId xmlns:a16="http://schemas.microsoft.com/office/drawing/2014/main" id="{372889A7-ABB3-8B6D-DC7F-E15FBF26AD87}"/>
+                <a16:creationId xmlns:a16="http://schemas.microsoft.com/office/drawing/2014/main" id="{70F1E96E-BB04-910E-1B41-15191F71CF46}"/>
               </a:ext>
             </a:extLst>
           </p:cNvPr>
@@ -2958,7 +2958,7 @@
           <p:cNvPr id="6" name="灯片编号占位符 5">
             <a:extLst>
               <a:ext uri="{FF2B5EF4-FFF2-40B4-BE49-F238E27FC236}">
-                <a16:creationId xmlns:a16="http://schemas.microsoft.com/office/drawing/2014/main" id="{3E4BE199-4749-619F-E2A9-997BB11E22A0}"/>
+                <a16:creationId xmlns:a16="http://schemas.microsoft.com/office/drawing/2014/main" id="{C3E14AB4-0EEB-0628-6029-473A2B663E0D}"/>
               </a:ext>
             </a:extLst>
           </p:cNvPr>
@@ -2992,7 +2992,7 @@
             </a:lvl1pPr>
           </a:lstStyle>
           <a:p>
-            <a:fld id="{93621DE5-B1D9-4BFE-BCEC-8B1B2E0C79D9}" type="slidenum">
+            <a:fld id="{9E977464-FE5E-48D9-A215-BC94584492DC}" type="slidenum">
               <a:rPr lang="zh-CN" altLang="en-US" smtClean="0"/>
               <a:t>‹#›</a:t>
             </a:fld>
@@ -3003,7 +3003,7 @@
     </p:spTree>
     <p:extLst>
       <p:ext uri="{BB962C8B-B14F-4D97-AF65-F5344CB8AC3E}">
-        <p14:creationId xmlns:p14="http://schemas.microsoft.com/office/powerpoint/2010/main" val="2581052757"/>
+        <p14:creationId xmlns:p14="http://schemas.microsoft.com/office/powerpoint/2010/main" val="62828569"/>
       </p:ext>
     </p:extLst>
   </p:cSld>
